--- a/ProjectDocs/Sprint 2/Squander_Deliverable 2.pptx
+++ b/ProjectDocs/Sprint 2/Squander_Deliverable 2.pptx
@@ -334,11 +334,95 @@
 <pc:chgInfo xmlns:a="http://schemas.openxmlformats.org/drawingml/2006/main" xmlns:r="http://schemas.openxmlformats.org/officeDocument/2006/relationships" xmlns:ac="http://schemas.microsoft.com/office/drawing/2013/main/command" xmlns:pc="http://schemas.microsoft.com/office/powerpoint/2013/main/command">
   <pc:docChgLst>
     <pc:chgData name="Aakansha Agarwala" userId="80d71404950ebe3a" providerId="LiveId" clId="{B3AC1EDA-7498-4D62-A8DD-5EC0CF32989A}"/>
-    <pc:docChg chg="modSld">
-      <pc:chgData name="Aakansha Agarwala" userId="80d71404950ebe3a" providerId="LiveId" clId="{B3AC1EDA-7498-4D62-A8DD-5EC0CF32989A}" dt="2022-03-24T16:28:55.363" v="56" actId="1037"/>
+    <pc:docChg chg="undo custSel modSld">
+      <pc:chgData name="Aakansha Agarwala" userId="80d71404950ebe3a" providerId="LiveId" clId="{B3AC1EDA-7498-4D62-A8DD-5EC0CF32989A}" dt="2022-03-24T17:42:06.938" v="153" actId="1035"/>
       <pc:docMkLst>
         <pc:docMk/>
       </pc:docMkLst>
+      <pc:sldChg chg="modSp mod">
+        <pc:chgData name="Aakansha Agarwala" userId="80d71404950ebe3a" providerId="LiveId" clId="{B3AC1EDA-7498-4D62-A8DD-5EC0CF32989A}" dt="2022-03-24T17:42:06.938" v="153" actId="1035"/>
+        <pc:sldMkLst>
+          <pc:docMk/>
+          <pc:sldMk cId="0" sldId="258"/>
+        </pc:sldMkLst>
+        <pc:spChg chg="mod">
+          <ac:chgData name="Aakansha Agarwala" userId="80d71404950ebe3a" providerId="LiveId" clId="{B3AC1EDA-7498-4D62-A8DD-5EC0CF32989A}" dt="2022-03-24T17:42:06.938" v="153" actId="1035"/>
+          <ac:spMkLst>
+            <pc:docMk/>
+            <pc:sldMk cId="0" sldId="258"/>
+            <ac:spMk id="120" creationId="{00000000-0000-0000-0000-000000000000}"/>
+          </ac:spMkLst>
+        </pc:spChg>
+      </pc:sldChg>
+      <pc:sldChg chg="modSp mod">
+        <pc:chgData name="Aakansha Agarwala" userId="80d71404950ebe3a" providerId="LiveId" clId="{B3AC1EDA-7498-4D62-A8DD-5EC0CF32989A}" dt="2022-03-24T17:39:51.406" v="102" actId="1076"/>
+        <pc:sldMkLst>
+          <pc:docMk/>
+          <pc:sldMk cId="0" sldId="259"/>
+        </pc:sldMkLst>
+        <pc:spChg chg="mod">
+          <ac:chgData name="Aakansha Agarwala" userId="80d71404950ebe3a" providerId="LiveId" clId="{B3AC1EDA-7498-4D62-A8DD-5EC0CF32989A}" dt="2022-03-24T17:39:39.221" v="100" actId="20577"/>
+          <ac:spMkLst>
+            <pc:docMk/>
+            <pc:sldMk cId="0" sldId="259"/>
+            <ac:spMk id="126" creationId="{00000000-0000-0000-0000-000000000000}"/>
+          </ac:spMkLst>
+        </pc:spChg>
+        <pc:picChg chg="mod">
+          <ac:chgData name="Aakansha Agarwala" userId="80d71404950ebe3a" providerId="LiveId" clId="{B3AC1EDA-7498-4D62-A8DD-5EC0CF32989A}" dt="2022-03-24T17:39:51.406" v="102" actId="1076"/>
+          <ac:picMkLst>
+            <pc:docMk/>
+            <pc:sldMk cId="0" sldId="259"/>
+            <ac:picMk id="127" creationId="{00000000-0000-0000-0000-000000000000}"/>
+          </ac:picMkLst>
+        </pc:picChg>
+        <pc:picChg chg="mod">
+          <ac:chgData name="Aakansha Agarwala" userId="80d71404950ebe3a" providerId="LiveId" clId="{B3AC1EDA-7498-4D62-A8DD-5EC0CF32989A}" dt="2022-03-24T17:39:48.533" v="101" actId="1076"/>
+          <ac:picMkLst>
+            <pc:docMk/>
+            <pc:sldMk cId="0" sldId="259"/>
+            <ac:picMk id="128" creationId="{00000000-0000-0000-0000-000000000000}"/>
+          </ac:picMkLst>
+        </pc:picChg>
+        <pc:picChg chg="mod">
+          <ac:chgData name="Aakansha Agarwala" userId="80d71404950ebe3a" providerId="LiveId" clId="{B3AC1EDA-7498-4D62-A8DD-5EC0CF32989A}" dt="2022-03-24T17:39:27.127" v="77" actId="1076"/>
+          <ac:picMkLst>
+            <pc:docMk/>
+            <pc:sldMk cId="0" sldId="259"/>
+            <ac:picMk id="129" creationId="{00000000-0000-0000-0000-000000000000}"/>
+          </ac:picMkLst>
+        </pc:picChg>
+      </pc:sldChg>
+      <pc:sldChg chg="modSp mod">
+        <pc:chgData name="Aakansha Agarwala" userId="80d71404950ebe3a" providerId="LiveId" clId="{B3AC1EDA-7498-4D62-A8DD-5EC0CF32989A}" dt="2022-03-24T17:41:02.306" v="125" actId="122"/>
+        <pc:sldMkLst>
+          <pc:docMk/>
+          <pc:sldMk cId="0" sldId="268"/>
+        </pc:sldMkLst>
+        <pc:spChg chg="mod">
+          <ac:chgData name="Aakansha Agarwala" userId="80d71404950ebe3a" providerId="LiveId" clId="{B3AC1EDA-7498-4D62-A8DD-5EC0CF32989A}" dt="2022-03-24T17:41:02.306" v="125" actId="122"/>
+          <ac:spMkLst>
+            <pc:docMk/>
+            <pc:sldMk cId="0" sldId="268"/>
+            <ac:spMk id="214" creationId="{00000000-0000-0000-0000-000000000000}"/>
+          </ac:spMkLst>
+        </pc:spChg>
+      </pc:sldChg>
+      <pc:sldChg chg="modSp mod">
+        <pc:chgData name="Aakansha Agarwala" userId="80d71404950ebe3a" providerId="LiveId" clId="{B3AC1EDA-7498-4D62-A8DD-5EC0CF32989A}" dt="2022-03-24T17:41:22.526" v="133" actId="122"/>
+        <pc:sldMkLst>
+          <pc:docMk/>
+          <pc:sldMk cId="0" sldId="269"/>
+        </pc:sldMkLst>
+        <pc:spChg chg="mod">
+          <ac:chgData name="Aakansha Agarwala" userId="80d71404950ebe3a" providerId="LiveId" clId="{B3AC1EDA-7498-4D62-A8DD-5EC0CF32989A}" dt="2022-03-24T17:41:22.526" v="133" actId="122"/>
+          <ac:spMkLst>
+            <pc:docMk/>
+            <pc:sldMk cId="0" sldId="269"/>
+            <ac:spMk id="230" creationId="{00000000-0000-0000-0000-000000000000}"/>
+          </ac:spMkLst>
+        </pc:spChg>
+      </pc:sldChg>
       <pc:sldChg chg="modSp mod">
         <pc:chgData name="Aakansha Agarwala" userId="80d71404950ebe3a" providerId="LiveId" clId="{B3AC1EDA-7498-4D62-A8DD-5EC0CF32989A}" dt="2022-03-24T16:28:55.363" v="56" actId="1037"/>
         <pc:sldMkLst>
@@ -1245,7 +1329,7 @@
         </p:nvSpPr>
         <p:spPr>
           <a:xfrm>
-            <a:off x="381300" y="685800"/>
+            <a:off x="381000" y="685800"/>
             <a:ext cx="6096000" cy="3429000"/>
           </a:xfrm>
           <a:custGeom>
@@ -1349,7 +1433,7 @@
         </p:nvSpPr>
         <p:spPr>
           <a:xfrm>
-            <a:off x="381300" y="685800"/>
+            <a:off x="381000" y="685800"/>
             <a:ext cx="6096000" cy="3429000"/>
           </a:xfrm>
           <a:custGeom>
@@ -12032,14 +12116,14 @@
               <a:buNone/>
             </a:pPr>
             <a:r>
-              <a:rPr lang="en"/>
+              <a:rPr lang="en" dirty="0"/>
               <a:t>        </a:t>
             </a:r>
             <a:r>
-              <a:rPr lang="en" sz="1200"/>
+              <a:rPr lang="en" sz="1200" dirty="0"/>
               <a:t>When</a:t>
             </a:r>
-            <a:endParaRPr sz="1200"/>
+            <a:endParaRPr sz="1200" dirty="0"/>
           </a:p>
         </p:txBody>
       </p:sp>
@@ -12731,14 +12815,14 @@
               <a:buNone/>
             </a:pPr>
             <a:r>
-              <a:rPr lang="en"/>
+              <a:rPr lang="en" dirty="0"/>
               <a:t>        </a:t>
             </a:r>
             <a:r>
-              <a:rPr lang="en" sz="1200"/>
+              <a:rPr lang="en" sz="1200" dirty="0"/>
               <a:t>Given</a:t>
             </a:r>
-            <a:endParaRPr sz="1200"/>
+            <a:endParaRPr sz="1200" dirty="0"/>
           </a:p>
         </p:txBody>
       </p:sp>
@@ -12784,7 +12868,7 @@
           </a:bodyPr>
           <a:lstStyle/>
           <a:p>
-            <a:pPr marL="0" lvl="0" indent="0" algn="l" rtl="0">
+            <a:pPr marL="0" lvl="0" indent="0" algn="ctr" rtl="0">
               <a:spcBef>
                 <a:spcPts val="0"/>
               </a:spcBef>
@@ -12794,10 +12878,10 @@
               <a:buNone/>
             </a:pPr>
             <a:r>
-              <a:rPr lang="en"/>
-              <a:t>	When</a:t>
+              <a:rPr lang="en" sz="1200" dirty="0"/>
+              <a:t>When</a:t>
             </a:r>
-            <a:endParaRPr/>
+            <a:endParaRPr sz="1200" dirty="0"/>
           </a:p>
         </p:txBody>
       </p:sp>
@@ -13543,7 +13627,7 @@
           </a:bodyPr>
           <a:lstStyle/>
           <a:p>
-            <a:pPr marL="0" lvl="0" indent="0" algn="l" rtl="0">
+            <a:pPr marL="0" lvl="0" indent="0" algn="ctr" rtl="0">
               <a:spcBef>
                 <a:spcPts val="0"/>
               </a:spcBef>
@@ -13553,10 +13637,10 @@
               <a:buNone/>
             </a:pPr>
             <a:r>
-              <a:rPr lang="en"/>
-              <a:t>	When</a:t>
+              <a:rPr lang="en" sz="1300" dirty="0"/>
+              <a:t>When</a:t>
             </a:r>
-            <a:endParaRPr/>
+            <a:endParaRPr sz="1300" dirty="0"/>
           </a:p>
         </p:txBody>
       </p:sp>
@@ -19835,7 +19919,7 @@
         </p:nvSpPr>
         <p:spPr>
           <a:xfrm>
-            <a:off x="546950" y="1577750"/>
+            <a:off x="546950" y="1414470"/>
             <a:ext cx="8025600" cy="3124500"/>
           </a:xfrm>
           <a:prstGeom prst="rect">
@@ -20557,7 +20641,7 @@
                   <a:srgbClr val="666666"/>
                 </a:solidFill>
               </a:rPr>
-              <a:t>Uploading Image		Processing Image 		Image Results 		Find Nearby Location </a:t>
+              <a:t>Uploading Image	    Processing Image                Image Results 	             Find Nearby Location </a:t>
             </a:r>
             <a:endParaRPr sz="1500" dirty="0">
               <a:solidFill>
@@ -20583,7 +20667,7 @@
         </p:blipFill>
         <p:spPr>
           <a:xfrm>
-            <a:off x="463575" y="3321700"/>
+            <a:off x="469821" y="3458300"/>
             <a:ext cx="1194800" cy="1194800"/>
           </a:xfrm>
           <a:prstGeom prst="rect">
@@ -20611,7 +20695,7 @@
         </p:blipFill>
         <p:spPr>
           <a:xfrm>
-            <a:off x="2937225" y="3474100"/>
+            <a:off x="2611472" y="3656499"/>
             <a:ext cx="996601" cy="996601"/>
           </a:xfrm>
           <a:prstGeom prst="rect">
@@ -20639,7 +20723,7 @@
         </p:blipFill>
         <p:spPr>
           <a:xfrm>
-            <a:off x="4856575" y="3189626"/>
+            <a:off x="4572000" y="3358700"/>
             <a:ext cx="1455475" cy="1455450"/>
           </a:xfrm>
           <a:prstGeom prst="rect">

--- a/ProjectDocs/Sprint 2/Squander_Deliverable 2.pptx
+++ b/ProjectDocs/Sprint 2/Squander_Deliverable 2.pptx
@@ -5,7 +5,7 @@
     <p:sldMasterId id="2147483659" r:id="rId1"/>
   </p:sldMasterIdLst>
   <p:notesMasterIdLst>
-    <p:notesMasterId r:id="rId33"/>
+    <p:notesMasterId r:id="rId35"/>
   </p:notesMasterIdLst>
   <p:sldIdLst>
     <p:sldId id="256" r:id="rId2"/>
@@ -29,52 +29,54 @@
     <p:sldId id="274" r:id="rId20"/>
     <p:sldId id="275" r:id="rId21"/>
     <p:sldId id="276" r:id="rId22"/>
-    <p:sldId id="277" r:id="rId23"/>
-    <p:sldId id="278" r:id="rId24"/>
-    <p:sldId id="279" r:id="rId25"/>
-    <p:sldId id="280" r:id="rId26"/>
-    <p:sldId id="281" r:id="rId27"/>
-    <p:sldId id="282" r:id="rId28"/>
-    <p:sldId id="283" r:id="rId29"/>
-    <p:sldId id="284" r:id="rId30"/>
-    <p:sldId id="285" r:id="rId31"/>
-    <p:sldId id="286" r:id="rId32"/>
+    <p:sldId id="287" r:id="rId23"/>
+    <p:sldId id="288" r:id="rId24"/>
+    <p:sldId id="277" r:id="rId25"/>
+    <p:sldId id="278" r:id="rId26"/>
+    <p:sldId id="279" r:id="rId27"/>
+    <p:sldId id="280" r:id="rId28"/>
+    <p:sldId id="281" r:id="rId29"/>
+    <p:sldId id="282" r:id="rId30"/>
+    <p:sldId id="283" r:id="rId31"/>
+    <p:sldId id="284" r:id="rId32"/>
+    <p:sldId id="285" r:id="rId33"/>
+    <p:sldId id="286" r:id="rId34"/>
   </p:sldIdLst>
   <p:sldSz cx="9144000" cy="5143500" type="screen16x9"/>
   <p:notesSz cx="6858000" cy="9144000"/>
   <p:embeddedFontLst>
     <p:embeddedFont>
       <p:font typeface="Lato" panose="020F0502020204030203" pitchFamily="34" charset="0"/>
-      <p:regular r:id="rId34"/>
-      <p:bold r:id="rId35"/>
-      <p:italic r:id="rId36"/>
-      <p:boldItalic r:id="rId37"/>
+      <p:regular r:id="rId36"/>
+      <p:bold r:id="rId37"/>
+      <p:italic r:id="rId38"/>
+      <p:boldItalic r:id="rId39"/>
     </p:embeddedFont>
     <p:embeddedFont>
       <p:font typeface="Raleway" pitchFamily="2" charset="0"/>
-      <p:regular r:id="rId38"/>
-      <p:bold r:id="rId39"/>
-      <p:italic r:id="rId40"/>
-      <p:boldItalic r:id="rId41"/>
+      <p:regular r:id="rId40"/>
+      <p:bold r:id="rId41"/>
+      <p:italic r:id="rId42"/>
+      <p:boldItalic r:id="rId43"/>
     </p:embeddedFont>
     <p:embeddedFont>
       <p:font typeface="Raleway ExtraBold" pitchFamily="2" charset="0"/>
-      <p:bold r:id="rId42"/>
-      <p:boldItalic r:id="rId43"/>
+      <p:bold r:id="rId44"/>
+      <p:boldItalic r:id="rId45"/>
     </p:embeddedFont>
     <p:embeddedFont>
       <p:font typeface="Raleway Medium" pitchFamily="2" charset="0"/>
-      <p:regular r:id="rId44"/>
-      <p:bold r:id="rId45"/>
-      <p:italic r:id="rId46"/>
-      <p:boldItalic r:id="rId47"/>
+      <p:regular r:id="rId46"/>
+      <p:bold r:id="rId47"/>
+      <p:italic r:id="rId48"/>
+      <p:boldItalic r:id="rId49"/>
     </p:embeddedFont>
     <p:embeddedFont>
       <p:font typeface="Trebuchet MS" panose="020B0603020202020204" pitchFamily="34" charset="0"/>
-      <p:regular r:id="rId48"/>
-      <p:bold r:id="rId49"/>
-      <p:italic r:id="rId50"/>
-      <p:boldItalic r:id="rId51"/>
+      <p:regular r:id="rId50"/>
+      <p:bold r:id="rId51"/>
+      <p:italic r:id="rId52"/>
+      <p:boldItalic r:id="rId53"/>
     </p:embeddedFont>
   </p:embeddedFontLst>
   <p:defaultTextStyle>
@@ -330,12 +332,20 @@
 </p:presentation>
 </file>
 
+<file path=ppt/revisionInfo.xml><?xml version="1.0" encoding="utf-8"?>
+<p1510:revInfo xmlns:a="http://schemas.openxmlformats.org/drawingml/2006/main" xmlns:r="http://schemas.openxmlformats.org/officeDocument/2006/relationships" xmlns:p1510="http://schemas.microsoft.com/office/powerpoint/2015/10/main">
+  <p1510:revLst>
+    <p1510:client id="{B3AC1EDA-7498-4D62-A8DD-5EC0CF32989A}" v="2" dt="2022-03-24T19:38:32.578"/>
+  </p1510:revLst>
+</p1510:revInfo>
+</file>
+
 <file path=ppt/changesInfos/changesInfo1.xml><?xml version="1.0" encoding="utf-8"?>
 <pc:chgInfo xmlns:a="http://schemas.openxmlformats.org/drawingml/2006/main" xmlns:r="http://schemas.openxmlformats.org/officeDocument/2006/relationships" xmlns:ac="http://schemas.microsoft.com/office/drawing/2013/main/command" xmlns:pc="http://schemas.microsoft.com/office/powerpoint/2013/main/command">
   <pc:docChgLst>
     <pc:chgData name="Aakansha Agarwala" userId="80d71404950ebe3a" providerId="LiveId" clId="{B3AC1EDA-7498-4D62-A8DD-5EC0CF32989A}"/>
-    <pc:docChg chg="undo custSel modSld">
-      <pc:chgData name="Aakansha Agarwala" userId="80d71404950ebe3a" providerId="LiveId" clId="{B3AC1EDA-7498-4D62-A8DD-5EC0CF32989A}" dt="2022-03-24T17:42:06.938" v="153" actId="1035"/>
+    <pc:docChg chg="undo custSel addSld modSld">
+      <pc:chgData name="Aakansha Agarwala" userId="80d71404950ebe3a" providerId="LiveId" clId="{B3AC1EDA-7498-4D62-A8DD-5EC0CF32989A}" dt="2022-03-24T19:38:32.562" v="155"/>
       <pc:docMkLst>
         <pc:docMk/>
       </pc:docMkLst>
@@ -437,6 +447,20 @@
             <ac:picMk id="3" creationId="{CADBDDD8-6986-4653-BA15-B3E51D55A0B0}"/>
           </ac:picMkLst>
         </pc:picChg>
+      </pc:sldChg>
+      <pc:sldChg chg="add">
+        <pc:chgData name="Aakansha Agarwala" userId="80d71404950ebe3a" providerId="LiveId" clId="{B3AC1EDA-7498-4D62-A8DD-5EC0CF32989A}" dt="2022-03-24T19:38:10.203" v="154"/>
+        <pc:sldMkLst>
+          <pc:docMk/>
+          <pc:sldMk cId="0" sldId="287"/>
+        </pc:sldMkLst>
+      </pc:sldChg>
+      <pc:sldChg chg="add">
+        <pc:chgData name="Aakansha Agarwala" userId="80d71404950ebe3a" providerId="LiveId" clId="{B3AC1EDA-7498-4D62-A8DD-5EC0CF32989A}" dt="2022-03-24T19:38:32.562" v="155"/>
+        <pc:sldMkLst>
+          <pc:docMk/>
+          <pc:sldMk cId="0" sldId="288"/>
+        </pc:sldMkLst>
       </pc:sldChg>
     </pc:docChg>
   </pc:docChgLst>
@@ -2371,7 +2395,7 @@
       </p:grpSpPr>
       <p:sp>
         <p:nvSpPr>
-          <p:cNvPr id="321" name="Google Shape;321;g11ecf19ca4e_0_4:notes"/>
+          <p:cNvPr id="321" name="Google Shape;321;g11ef98ab8e7_0_0:notes"/>
           <p:cNvSpPr>
             <a:spLocks noGrp="1" noRot="1" noChangeAspect="1"/>
           </p:cNvSpPr>
@@ -2412,7 +2436,7 @@
       </p:sp>
       <p:sp>
         <p:nvSpPr>
-          <p:cNvPr id="322" name="Google Shape;322;g11ecf19ca4e_0_4:notes"/>
+          <p:cNvPr id="322" name="Google Shape;322;g11ef98ab8e7_0_0:notes"/>
           <p:cNvSpPr txBox="1">
             <a:spLocks noGrp="1"/>
           </p:cNvSpPr>
@@ -2461,7 +2485,7 @@
   <p:cSld>
     <p:spTree>
       <p:nvGrpSpPr>
-        <p:cNvPr id="1" name="Shape 328"/>
+        <p:cNvPr id="1" name="Shape 327"/>
         <p:cNvGrpSpPr/>
         <p:nvPr/>
       </p:nvGrpSpPr>
@@ -2475,7 +2499,7 @@
       </p:grpSpPr>
       <p:sp>
         <p:nvSpPr>
-          <p:cNvPr id="329" name="Google Shape;329;g11edae32590_1_8:notes"/>
+          <p:cNvPr id="328" name="Google Shape;328;g11ef98ab8e7_0_5:notes"/>
           <p:cNvSpPr>
             <a:spLocks noGrp="1" noRot="1" noChangeAspect="1"/>
           </p:cNvSpPr>
@@ -2516,7 +2540,7 @@
       </p:sp>
       <p:sp>
         <p:nvSpPr>
-          <p:cNvPr id="330" name="Google Shape;330;g11edae32590_1_8:notes"/>
+          <p:cNvPr id="329" name="Google Shape;329;g11ef98ab8e7_0_5:notes"/>
           <p:cNvSpPr txBox="1">
             <a:spLocks noGrp="1"/>
           </p:cNvSpPr>
@@ -2565,7 +2589,7 @@
   <p:cSld>
     <p:spTree>
       <p:nvGrpSpPr>
-        <p:cNvPr id="1" name="Shape 335"/>
+        <p:cNvPr id="1" name="Shape 320"/>
         <p:cNvGrpSpPr/>
         <p:nvPr/>
       </p:nvGrpSpPr>
@@ -2579,7 +2603,7 @@
       </p:grpSpPr>
       <p:sp>
         <p:nvSpPr>
-          <p:cNvPr id="336" name="Google Shape;336;g11edae32590_1_15:notes"/>
+          <p:cNvPr id="321" name="Google Shape;321;g11ecf19ca4e_0_4:notes"/>
           <p:cNvSpPr>
             <a:spLocks noGrp="1" noRot="1" noChangeAspect="1"/>
           </p:cNvSpPr>
@@ -2620,7 +2644,7 @@
       </p:sp>
       <p:sp>
         <p:nvSpPr>
-          <p:cNvPr id="337" name="Google Shape;337;g11edae32590_1_15:notes"/>
+          <p:cNvPr id="322" name="Google Shape;322;g11ecf19ca4e_0_4:notes"/>
           <p:cNvSpPr txBox="1">
             <a:spLocks noGrp="1"/>
           </p:cNvSpPr>
@@ -2669,7 +2693,7 @@
   <p:cSld>
     <p:spTree>
       <p:nvGrpSpPr>
-        <p:cNvPr id="1" name="Shape 342"/>
+        <p:cNvPr id="1" name="Shape 328"/>
         <p:cNvGrpSpPr/>
         <p:nvPr/>
       </p:nvGrpSpPr>
@@ -2683,7 +2707,7 @@
       </p:grpSpPr>
       <p:sp>
         <p:nvSpPr>
-          <p:cNvPr id="343" name="Google Shape;343;g11d9e660887_3_25:notes"/>
+          <p:cNvPr id="329" name="Google Shape;329;g11edae32590_1_8:notes"/>
           <p:cNvSpPr>
             <a:spLocks noGrp="1" noRot="1" noChangeAspect="1"/>
           </p:cNvSpPr>
@@ -2693,7 +2717,7 @@
         </p:nvSpPr>
         <p:spPr>
           <a:xfrm>
-            <a:off x="381000" y="685800"/>
+            <a:off x="381300" y="685800"/>
             <a:ext cx="6096000" cy="3429000"/>
           </a:xfrm>
           <a:custGeom>
@@ -2724,7 +2748,7 @@
       </p:sp>
       <p:sp>
         <p:nvSpPr>
-          <p:cNvPr id="344" name="Google Shape;344;g11d9e660887_3_25:notes"/>
+          <p:cNvPr id="330" name="Google Shape;330;g11edae32590_1_8:notes"/>
           <p:cNvSpPr txBox="1">
             <a:spLocks noGrp="1"/>
           </p:cNvSpPr>
@@ -2773,7 +2797,7 @@
   <p:cSld>
     <p:spTree>
       <p:nvGrpSpPr>
-        <p:cNvPr id="1" name="Shape 349"/>
+        <p:cNvPr id="1" name="Shape 335"/>
         <p:cNvGrpSpPr/>
         <p:nvPr/>
       </p:nvGrpSpPr>
@@ -2787,7 +2811,7 @@
       </p:grpSpPr>
       <p:sp>
         <p:nvSpPr>
-          <p:cNvPr id="350" name="Google Shape;350;g11da7b03194_5_2:notes"/>
+          <p:cNvPr id="336" name="Google Shape;336;g11edae32590_1_15:notes"/>
           <p:cNvSpPr>
             <a:spLocks noGrp="1" noRot="1" noChangeAspect="1"/>
           </p:cNvSpPr>
@@ -2797,7 +2821,7 @@
         </p:nvSpPr>
         <p:spPr>
           <a:xfrm>
-            <a:off x="381000" y="685800"/>
+            <a:off x="381300" y="685800"/>
             <a:ext cx="6096000" cy="3429000"/>
           </a:xfrm>
           <a:custGeom>
@@ -2828,7 +2852,7 @@
       </p:sp>
       <p:sp>
         <p:nvSpPr>
-          <p:cNvPr id="351" name="Google Shape;351;g11da7b03194_5_2:notes"/>
+          <p:cNvPr id="337" name="Google Shape;337;g11edae32590_1_15:notes"/>
           <p:cNvSpPr txBox="1">
             <a:spLocks noGrp="1"/>
           </p:cNvSpPr>
@@ -2877,7 +2901,7 @@
   <p:cSld>
     <p:spTree>
       <p:nvGrpSpPr>
-        <p:cNvPr id="1" name="Shape 355"/>
+        <p:cNvPr id="1" name="Shape 342"/>
         <p:cNvGrpSpPr/>
         <p:nvPr/>
       </p:nvGrpSpPr>
@@ -2891,7 +2915,7 @@
       </p:grpSpPr>
       <p:sp>
         <p:nvSpPr>
-          <p:cNvPr id="356" name="Google Shape;356;g11ecf19ca4e_0_9:notes"/>
+          <p:cNvPr id="343" name="Google Shape;343;g11d9e660887_3_25:notes"/>
           <p:cNvSpPr>
             <a:spLocks noGrp="1" noRot="1" noChangeAspect="1"/>
           </p:cNvSpPr>
@@ -2901,7 +2925,7 @@
         </p:nvSpPr>
         <p:spPr>
           <a:xfrm>
-            <a:off x="381300" y="685800"/>
+            <a:off x="381000" y="685800"/>
             <a:ext cx="6096000" cy="3429000"/>
           </a:xfrm>
           <a:custGeom>
@@ -2932,7 +2956,7 @@
       </p:sp>
       <p:sp>
         <p:nvSpPr>
-          <p:cNvPr id="357" name="Google Shape;357;g11ecf19ca4e_0_9:notes"/>
+          <p:cNvPr id="344" name="Google Shape;344;g11d9e660887_3_25:notes"/>
           <p:cNvSpPr txBox="1">
             <a:spLocks noGrp="1"/>
           </p:cNvSpPr>
@@ -2981,7 +3005,7 @@
   <p:cSld>
     <p:spTree>
       <p:nvGrpSpPr>
-        <p:cNvPr id="1" name="Shape 361"/>
+        <p:cNvPr id="1" name="Shape 349"/>
         <p:cNvGrpSpPr/>
         <p:nvPr/>
       </p:nvGrpSpPr>
@@ -2995,7 +3019,7 @@
       </p:grpSpPr>
       <p:sp>
         <p:nvSpPr>
-          <p:cNvPr id="362" name="Google Shape;362;g11eb6340dad_1_2:notes"/>
+          <p:cNvPr id="350" name="Google Shape;350;g11da7b03194_5_2:notes"/>
           <p:cNvSpPr>
             <a:spLocks noGrp="1" noRot="1" noChangeAspect="1"/>
           </p:cNvSpPr>
@@ -3005,7 +3029,7 @@
         </p:nvSpPr>
         <p:spPr>
           <a:xfrm>
-            <a:off x="381300" y="685800"/>
+            <a:off x="381000" y="685800"/>
             <a:ext cx="6096000" cy="3429000"/>
           </a:xfrm>
           <a:custGeom>
@@ -3036,7 +3060,7 @@
       </p:sp>
       <p:sp>
         <p:nvSpPr>
-          <p:cNvPr id="363" name="Google Shape;363;g11eb6340dad_1_2:notes"/>
+          <p:cNvPr id="351" name="Google Shape;351;g11da7b03194_5_2:notes"/>
           <p:cNvSpPr txBox="1">
             <a:spLocks noGrp="1"/>
           </p:cNvSpPr>
@@ -3085,7 +3109,7 @@
   <p:cSld>
     <p:spTree>
       <p:nvGrpSpPr>
-        <p:cNvPr id="1" name="Shape 367"/>
+        <p:cNvPr id="1" name="Shape 355"/>
         <p:cNvGrpSpPr/>
         <p:nvPr/>
       </p:nvGrpSpPr>
@@ -3099,7 +3123,7 @@
       </p:grpSpPr>
       <p:sp>
         <p:nvSpPr>
-          <p:cNvPr id="368" name="Google Shape;368;g11eb6340dad_1_7:notes"/>
+          <p:cNvPr id="356" name="Google Shape;356;g11ecf19ca4e_0_9:notes"/>
           <p:cNvSpPr>
             <a:spLocks noGrp="1" noRot="1" noChangeAspect="1"/>
           </p:cNvSpPr>
@@ -3140,7 +3164,7 @@
       </p:sp>
       <p:sp>
         <p:nvSpPr>
-          <p:cNvPr id="369" name="Google Shape;369;g11eb6340dad_1_7:notes"/>
+          <p:cNvPr id="357" name="Google Shape;357;g11ecf19ca4e_0_9:notes"/>
           <p:cNvSpPr txBox="1">
             <a:spLocks noGrp="1"/>
           </p:cNvSpPr>
@@ -3293,7 +3317,7 @@
   <p:cSld>
     <p:spTree>
       <p:nvGrpSpPr>
-        <p:cNvPr id="1" name="Shape 373"/>
+        <p:cNvPr id="1" name="Shape 361"/>
         <p:cNvGrpSpPr/>
         <p:nvPr/>
       </p:nvGrpSpPr>
@@ -3307,7 +3331,7 @@
       </p:grpSpPr>
       <p:sp>
         <p:nvSpPr>
-          <p:cNvPr id="374" name="Google Shape;374;g11eb6340dad_1_12:notes"/>
+          <p:cNvPr id="362" name="Google Shape;362;g11eb6340dad_1_2:notes"/>
           <p:cNvSpPr>
             <a:spLocks noGrp="1" noRot="1" noChangeAspect="1"/>
           </p:cNvSpPr>
@@ -3348,7 +3372,7 @@
       </p:sp>
       <p:sp>
         <p:nvSpPr>
-          <p:cNvPr id="375" name="Google Shape;375;g11eb6340dad_1_12:notes"/>
+          <p:cNvPr id="363" name="Google Shape;363;g11eb6340dad_1_2:notes"/>
           <p:cNvSpPr txBox="1">
             <a:spLocks noGrp="1"/>
           </p:cNvSpPr>
@@ -3393,6 +3417,214 @@
 </file>
 
 <file path=ppt/notesSlides/notesSlide31.xml><?xml version="1.0" encoding="utf-8"?>
+<p:notes xmlns:a="http://schemas.openxmlformats.org/drawingml/2006/main" xmlns:r="http://schemas.openxmlformats.org/officeDocument/2006/relationships" xmlns:p="http://schemas.openxmlformats.org/presentationml/2006/main" showMasterSp="0" showMasterPhAnim="0">
+  <p:cSld>
+    <p:spTree>
+      <p:nvGrpSpPr>
+        <p:cNvPr id="1" name="Shape 367"/>
+        <p:cNvGrpSpPr/>
+        <p:nvPr/>
+      </p:nvGrpSpPr>
+      <p:grpSpPr>
+        <a:xfrm>
+          <a:off x="0" y="0"/>
+          <a:ext cx="0" cy="0"/>
+          <a:chOff x="0" y="0"/>
+          <a:chExt cx="0" cy="0"/>
+        </a:xfrm>
+      </p:grpSpPr>
+      <p:sp>
+        <p:nvSpPr>
+          <p:cNvPr id="368" name="Google Shape;368;g11eb6340dad_1_7:notes"/>
+          <p:cNvSpPr>
+            <a:spLocks noGrp="1" noRot="1" noChangeAspect="1"/>
+          </p:cNvSpPr>
+          <p:nvPr>
+            <p:ph type="sldImg" idx="2"/>
+          </p:nvPr>
+        </p:nvSpPr>
+        <p:spPr>
+          <a:xfrm>
+            <a:off x="381300" y="685800"/>
+            <a:ext cx="6096000" cy="3429000"/>
+          </a:xfrm>
+          <a:custGeom>
+            <a:avLst/>
+            <a:gdLst/>
+            <a:ahLst/>
+            <a:cxnLst/>
+            <a:rect l="l" t="t" r="r" b="b"/>
+            <a:pathLst>
+              <a:path w="120000" h="120000" extrusionOk="0">
+                <a:moveTo>
+                  <a:pt x="0" y="0"/>
+                </a:moveTo>
+                <a:lnTo>
+                  <a:pt x="120000" y="0"/>
+                </a:lnTo>
+                <a:lnTo>
+                  <a:pt x="120000" y="120000"/>
+                </a:lnTo>
+                <a:lnTo>
+                  <a:pt x="0" y="120000"/>
+                </a:lnTo>
+                <a:close/>
+              </a:path>
+            </a:pathLst>
+          </a:custGeom>
+        </p:spPr>
+      </p:sp>
+      <p:sp>
+        <p:nvSpPr>
+          <p:cNvPr id="369" name="Google Shape;369;g11eb6340dad_1_7:notes"/>
+          <p:cNvSpPr txBox="1">
+            <a:spLocks noGrp="1"/>
+          </p:cNvSpPr>
+          <p:nvPr>
+            <p:ph type="body" idx="1"/>
+          </p:nvPr>
+        </p:nvSpPr>
+        <p:spPr>
+          <a:xfrm>
+            <a:off x="685800" y="4343400"/>
+            <a:ext cx="5486400" cy="4114800"/>
+          </a:xfrm>
+          <a:prstGeom prst="rect">
+            <a:avLst/>
+          </a:prstGeom>
+        </p:spPr>
+        <p:txBody>
+          <a:bodyPr spcFirstLastPara="1" wrap="square" lIns="91425" tIns="91425" rIns="91425" bIns="91425" anchor="t" anchorCtr="0">
+            <a:noAutofit/>
+          </a:bodyPr>
+          <a:lstStyle/>
+          <a:p>
+            <a:pPr marL="0" lvl="0" indent="0" algn="l" rtl="0">
+              <a:spcBef>
+                <a:spcPts val="0"/>
+              </a:spcBef>
+              <a:spcAft>
+                <a:spcPts val="0"/>
+              </a:spcAft>
+              <a:buNone/>
+            </a:pPr>
+            <a:endParaRPr/>
+          </a:p>
+        </p:txBody>
+      </p:sp>
+    </p:spTree>
+  </p:cSld>
+  <p:clrMapOvr>
+    <a:masterClrMapping/>
+  </p:clrMapOvr>
+</p:notes>
+</file>
+
+<file path=ppt/notesSlides/notesSlide32.xml><?xml version="1.0" encoding="utf-8"?>
+<p:notes xmlns:a="http://schemas.openxmlformats.org/drawingml/2006/main" xmlns:r="http://schemas.openxmlformats.org/officeDocument/2006/relationships" xmlns:p="http://schemas.openxmlformats.org/presentationml/2006/main" showMasterSp="0" showMasterPhAnim="0">
+  <p:cSld>
+    <p:spTree>
+      <p:nvGrpSpPr>
+        <p:cNvPr id="1" name="Shape 373"/>
+        <p:cNvGrpSpPr/>
+        <p:nvPr/>
+      </p:nvGrpSpPr>
+      <p:grpSpPr>
+        <a:xfrm>
+          <a:off x="0" y="0"/>
+          <a:ext cx="0" cy="0"/>
+          <a:chOff x="0" y="0"/>
+          <a:chExt cx="0" cy="0"/>
+        </a:xfrm>
+      </p:grpSpPr>
+      <p:sp>
+        <p:nvSpPr>
+          <p:cNvPr id="374" name="Google Shape;374;g11eb6340dad_1_12:notes"/>
+          <p:cNvSpPr>
+            <a:spLocks noGrp="1" noRot="1" noChangeAspect="1"/>
+          </p:cNvSpPr>
+          <p:nvPr>
+            <p:ph type="sldImg" idx="2"/>
+          </p:nvPr>
+        </p:nvSpPr>
+        <p:spPr>
+          <a:xfrm>
+            <a:off x="381300" y="685800"/>
+            <a:ext cx="6096000" cy="3429000"/>
+          </a:xfrm>
+          <a:custGeom>
+            <a:avLst/>
+            <a:gdLst/>
+            <a:ahLst/>
+            <a:cxnLst/>
+            <a:rect l="l" t="t" r="r" b="b"/>
+            <a:pathLst>
+              <a:path w="120000" h="120000" extrusionOk="0">
+                <a:moveTo>
+                  <a:pt x="0" y="0"/>
+                </a:moveTo>
+                <a:lnTo>
+                  <a:pt x="120000" y="0"/>
+                </a:lnTo>
+                <a:lnTo>
+                  <a:pt x="120000" y="120000"/>
+                </a:lnTo>
+                <a:lnTo>
+                  <a:pt x="0" y="120000"/>
+                </a:lnTo>
+                <a:close/>
+              </a:path>
+            </a:pathLst>
+          </a:custGeom>
+        </p:spPr>
+      </p:sp>
+      <p:sp>
+        <p:nvSpPr>
+          <p:cNvPr id="375" name="Google Shape;375;g11eb6340dad_1_12:notes"/>
+          <p:cNvSpPr txBox="1">
+            <a:spLocks noGrp="1"/>
+          </p:cNvSpPr>
+          <p:nvPr>
+            <p:ph type="body" idx="1"/>
+          </p:nvPr>
+        </p:nvSpPr>
+        <p:spPr>
+          <a:xfrm>
+            <a:off x="685800" y="4343400"/>
+            <a:ext cx="5486400" cy="4114800"/>
+          </a:xfrm>
+          <a:prstGeom prst="rect">
+            <a:avLst/>
+          </a:prstGeom>
+        </p:spPr>
+        <p:txBody>
+          <a:bodyPr spcFirstLastPara="1" wrap="square" lIns="91425" tIns="91425" rIns="91425" bIns="91425" anchor="t" anchorCtr="0">
+            <a:noAutofit/>
+          </a:bodyPr>
+          <a:lstStyle/>
+          <a:p>
+            <a:pPr marL="0" lvl="0" indent="0" algn="l" rtl="0">
+              <a:spcBef>
+                <a:spcPts val="0"/>
+              </a:spcBef>
+              <a:spcAft>
+                <a:spcPts val="0"/>
+              </a:spcAft>
+              <a:buNone/>
+            </a:pPr>
+            <a:endParaRPr/>
+          </a:p>
+        </p:txBody>
+      </p:sp>
+    </p:spTree>
+  </p:cSld>
+  <p:clrMapOvr>
+    <a:masterClrMapping/>
+  </p:clrMapOvr>
+</p:notes>
+</file>
+
+<file path=ppt/notesSlides/notesSlide33.xml><?xml version="1.0" encoding="utf-8"?>
 <p:notes xmlns:a="http://schemas.openxmlformats.org/drawingml/2006/main" xmlns:r="http://schemas.openxmlformats.org/officeDocument/2006/relationships" xmlns:p="http://schemas.openxmlformats.org/presentationml/2006/main" showMasterSp="0" showMasterPhAnim="0">
   <p:cSld>
     <p:spTree>
@@ -18632,6 +18864,372 @@
         </p:nvSpPr>
         <p:spPr>
           <a:xfrm>
+            <a:off x="679025" y="612675"/>
+            <a:ext cx="7688700" cy="535200"/>
+          </a:xfrm>
+          <a:prstGeom prst="rect">
+            <a:avLst/>
+          </a:prstGeom>
+        </p:spPr>
+        <p:txBody>
+          <a:bodyPr spcFirstLastPara="1" wrap="square" lIns="91425" tIns="91425" rIns="91425" bIns="91425" anchor="t" anchorCtr="0">
+            <a:normAutofit fontScale="90000"/>
+          </a:bodyPr>
+          <a:lstStyle/>
+          <a:p>
+            <a:pPr marL="0" lvl="0" indent="0" algn="l" rtl="0">
+              <a:spcBef>
+                <a:spcPts val="0"/>
+              </a:spcBef>
+              <a:spcAft>
+                <a:spcPts val="0"/>
+              </a:spcAft>
+              <a:buNone/>
+            </a:pPr>
+            <a:r>
+              <a:rPr lang="en" b="0">
+                <a:latin typeface="Raleway ExtraBold"/>
+                <a:ea typeface="Raleway ExtraBold"/>
+                <a:cs typeface="Raleway ExtraBold"/>
+                <a:sym typeface="Raleway ExtraBold"/>
+              </a:rPr>
+              <a:t>Image Breakdown</a:t>
+            </a:r>
+            <a:endParaRPr b="0">
+              <a:latin typeface="Raleway ExtraBold"/>
+              <a:ea typeface="Raleway ExtraBold"/>
+              <a:cs typeface="Raleway ExtraBold"/>
+              <a:sym typeface="Raleway ExtraBold"/>
+            </a:endParaRPr>
+          </a:p>
+        </p:txBody>
+      </p:sp>
+      <p:sp>
+        <p:nvSpPr>
+          <p:cNvPr id="325" name="Google Shape;325;p34"/>
+          <p:cNvSpPr txBox="1">
+            <a:spLocks noGrp="1"/>
+          </p:cNvSpPr>
+          <p:nvPr>
+            <p:ph type="body" idx="1"/>
+          </p:nvPr>
+        </p:nvSpPr>
+        <p:spPr>
+          <a:xfrm>
+            <a:off x="729450" y="2078875"/>
+            <a:ext cx="7688700" cy="2261100"/>
+          </a:xfrm>
+          <a:prstGeom prst="rect">
+            <a:avLst/>
+          </a:prstGeom>
+        </p:spPr>
+        <p:txBody>
+          <a:bodyPr spcFirstLastPara="1" wrap="square" lIns="91425" tIns="91425" rIns="91425" bIns="91425" anchor="t" anchorCtr="0">
+            <a:normAutofit/>
+          </a:bodyPr>
+          <a:lstStyle/>
+          <a:p>
+            <a:pPr marL="457200" lvl="0" indent="-311150" algn="l" rtl="0">
+              <a:spcBef>
+                <a:spcPts val="0"/>
+              </a:spcBef>
+              <a:spcAft>
+                <a:spcPts val="0"/>
+              </a:spcAft>
+              <a:buSzPts val="1300"/>
+              <a:buChar char="●"/>
+            </a:pPr>
+            <a:r>
+              <a:rPr lang="en" dirty="0"/>
+              <a:t>Cardboard - 201 Images</a:t>
+            </a:r>
+            <a:endParaRPr dirty="0"/>
+          </a:p>
+          <a:p>
+            <a:pPr marL="457200" lvl="0" indent="-311150" algn="l" rtl="0">
+              <a:spcBef>
+                <a:spcPts val="0"/>
+              </a:spcBef>
+              <a:spcAft>
+                <a:spcPts val="0"/>
+              </a:spcAft>
+              <a:buSzPts val="1300"/>
+              <a:buChar char="●"/>
+            </a:pPr>
+            <a:r>
+              <a:rPr lang="en" dirty="0"/>
+              <a:t>Glass - 250 Images</a:t>
+            </a:r>
+            <a:endParaRPr dirty="0"/>
+          </a:p>
+          <a:p>
+            <a:pPr marL="457200" lvl="0" indent="-311150" algn="l" rtl="0">
+              <a:spcBef>
+                <a:spcPts val="0"/>
+              </a:spcBef>
+              <a:spcAft>
+                <a:spcPts val="0"/>
+              </a:spcAft>
+              <a:buSzPts val="1300"/>
+              <a:buChar char="●"/>
+            </a:pPr>
+            <a:r>
+              <a:rPr lang="en" dirty="0"/>
+              <a:t>Metal - 205 Images</a:t>
+            </a:r>
+            <a:endParaRPr dirty="0"/>
+          </a:p>
+          <a:p>
+            <a:pPr marL="457200" lvl="0" indent="-311150" algn="l" rtl="0">
+              <a:spcBef>
+                <a:spcPts val="0"/>
+              </a:spcBef>
+              <a:spcAft>
+                <a:spcPts val="0"/>
+              </a:spcAft>
+              <a:buSzPts val="1300"/>
+              <a:buChar char="●"/>
+            </a:pPr>
+            <a:r>
+              <a:rPr lang="en" dirty="0"/>
+              <a:t>Paper  - 297 Images</a:t>
+            </a:r>
+            <a:endParaRPr dirty="0"/>
+          </a:p>
+          <a:p>
+            <a:pPr marL="457200" lvl="0" indent="-311150" algn="l" rtl="0">
+              <a:spcBef>
+                <a:spcPts val="0"/>
+              </a:spcBef>
+              <a:spcAft>
+                <a:spcPts val="0"/>
+              </a:spcAft>
+              <a:buSzPts val="1300"/>
+              <a:buChar char="●"/>
+            </a:pPr>
+            <a:r>
+              <a:rPr lang="en" dirty="0"/>
+              <a:t>Plastic - 241 Images</a:t>
+            </a:r>
+            <a:endParaRPr dirty="0"/>
+          </a:p>
+          <a:p>
+            <a:pPr marL="457200" lvl="0" indent="-311150" algn="l" rtl="0">
+              <a:spcBef>
+                <a:spcPts val="0"/>
+              </a:spcBef>
+              <a:spcAft>
+                <a:spcPts val="0"/>
+              </a:spcAft>
+              <a:buSzPts val="1300"/>
+              <a:buChar char="●"/>
+            </a:pPr>
+            <a:r>
+              <a:rPr lang="en" dirty="0"/>
+              <a:t>Trash - 71 Images</a:t>
+            </a:r>
+            <a:endParaRPr dirty="0"/>
+          </a:p>
+        </p:txBody>
+      </p:sp>
+      <p:pic>
+        <p:nvPicPr>
+          <p:cNvPr id="326" name="Google Shape;326;p34"/>
+          <p:cNvPicPr preferRelativeResize="0"/>
+          <p:nvPr/>
+        </p:nvPicPr>
+        <p:blipFill>
+          <a:blip r:embed="rId3">
+            <a:alphaModFix/>
+          </a:blip>
+          <a:stretch>
+            <a:fillRect/>
+          </a:stretch>
+        </p:blipFill>
+        <p:spPr>
+          <a:xfrm>
+            <a:off x="3595052" y="1853850"/>
+            <a:ext cx="5300803" cy="3126651"/>
+          </a:xfrm>
+          <a:prstGeom prst="rect">
+            <a:avLst/>
+          </a:prstGeom>
+          <a:noFill/>
+          <a:ln>
+            <a:noFill/>
+          </a:ln>
+        </p:spPr>
+      </p:pic>
+    </p:spTree>
+  </p:cSld>
+  <p:clrMapOvr>
+    <a:masterClrMapping/>
+  </p:clrMapOvr>
+</p:sld>
+</file>
+
+<file path=ppt/slides/slide23.xml><?xml version="1.0" encoding="utf-8"?>
+<p:sld xmlns:a="http://schemas.openxmlformats.org/drawingml/2006/main" xmlns:r="http://schemas.openxmlformats.org/officeDocument/2006/relationships" xmlns:p="http://schemas.openxmlformats.org/presentationml/2006/main">
+  <p:cSld>
+    <p:spTree>
+      <p:nvGrpSpPr>
+        <p:cNvPr id="1" name="Shape 330"/>
+        <p:cNvGrpSpPr/>
+        <p:nvPr/>
+      </p:nvGrpSpPr>
+      <p:grpSpPr>
+        <a:xfrm>
+          <a:off x="0" y="0"/>
+          <a:ext cx="0" cy="0"/>
+          <a:chOff x="0" y="0"/>
+          <a:chExt cx="0" cy="0"/>
+        </a:xfrm>
+      </p:grpSpPr>
+      <p:sp>
+        <p:nvSpPr>
+          <p:cNvPr id="331" name="Google Shape;331;p35"/>
+          <p:cNvSpPr txBox="1">
+            <a:spLocks noGrp="1"/>
+          </p:cNvSpPr>
+          <p:nvPr>
+            <p:ph type="title"/>
+          </p:nvPr>
+        </p:nvSpPr>
+        <p:spPr>
+          <a:xfrm>
+            <a:off x="729450" y="632850"/>
+            <a:ext cx="7688700" cy="535200"/>
+          </a:xfrm>
+          <a:prstGeom prst="rect">
+            <a:avLst/>
+          </a:prstGeom>
+        </p:spPr>
+        <p:txBody>
+          <a:bodyPr spcFirstLastPara="1" wrap="square" lIns="91425" tIns="91425" rIns="91425" bIns="91425" anchor="t" anchorCtr="0">
+            <a:normAutofit fontScale="90000"/>
+          </a:bodyPr>
+          <a:lstStyle/>
+          <a:p>
+            <a:pPr marL="0" lvl="0" indent="0" algn="l" rtl="0">
+              <a:spcBef>
+                <a:spcPts val="0"/>
+              </a:spcBef>
+              <a:spcAft>
+                <a:spcPts val="0"/>
+              </a:spcAft>
+              <a:buNone/>
+            </a:pPr>
+            <a:r>
+              <a:rPr lang="en" b="0">
+                <a:latin typeface="Raleway ExtraBold"/>
+                <a:ea typeface="Raleway ExtraBold"/>
+                <a:cs typeface="Raleway ExtraBold"/>
+                <a:sym typeface="Raleway ExtraBold"/>
+              </a:rPr>
+              <a:t>Deeper Model </a:t>
+            </a:r>
+            <a:endParaRPr b="0">
+              <a:latin typeface="Raleway ExtraBold"/>
+              <a:ea typeface="Raleway ExtraBold"/>
+              <a:cs typeface="Raleway ExtraBold"/>
+              <a:sym typeface="Raleway ExtraBold"/>
+            </a:endParaRPr>
+          </a:p>
+        </p:txBody>
+      </p:sp>
+      <p:pic>
+        <p:nvPicPr>
+          <p:cNvPr id="332" name="Google Shape;332;p35"/>
+          <p:cNvPicPr preferRelativeResize="0"/>
+          <p:nvPr/>
+        </p:nvPicPr>
+        <p:blipFill>
+          <a:blip r:embed="rId3">
+            <a:alphaModFix/>
+          </a:blip>
+          <a:stretch>
+            <a:fillRect/>
+          </a:stretch>
+        </p:blipFill>
+        <p:spPr>
+          <a:xfrm>
+            <a:off x="471550" y="1853850"/>
+            <a:ext cx="3705199" cy="2984850"/>
+          </a:xfrm>
+          <a:prstGeom prst="rect">
+            <a:avLst/>
+          </a:prstGeom>
+          <a:noFill/>
+          <a:ln>
+            <a:noFill/>
+          </a:ln>
+        </p:spPr>
+      </p:pic>
+      <p:pic>
+        <p:nvPicPr>
+          <p:cNvPr id="333" name="Google Shape;333;p35"/>
+          <p:cNvPicPr preferRelativeResize="0"/>
+          <p:nvPr/>
+        </p:nvPicPr>
+        <p:blipFill>
+          <a:blip r:embed="rId4">
+            <a:alphaModFix/>
+          </a:blip>
+          <a:stretch>
+            <a:fillRect/>
+          </a:stretch>
+        </p:blipFill>
+        <p:spPr>
+          <a:xfrm>
+            <a:off x="4319774" y="2068838"/>
+            <a:ext cx="4662450" cy="2554871"/>
+          </a:xfrm>
+          <a:prstGeom prst="rect">
+            <a:avLst/>
+          </a:prstGeom>
+          <a:noFill/>
+          <a:ln>
+            <a:noFill/>
+          </a:ln>
+        </p:spPr>
+      </p:pic>
+    </p:spTree>
+  </p:cSld>
+  <p:clrMapOvr>
+    <a:masterClrMapping/>
+  </p:clrMapOvr>
+</p:sld>
+</file>
+
+<file path=ppt/slides/slide24.xml><?xml version="1.0" encoding="utf-8"?>
+<p:sld xmlns:a="http://schemas.openxmlformats.org/drawingml/2006/main" xmlns:r="http://schemas.openxmlformats.org/officeDocument/2006/relationships" xmlns:p="http://schemas.openxmlformats.org/presentationml/2006/main">
+  <p:cSld>
+    <p:spTree>
+      <p:nvGrpSpPr>
+        <p:cNvPr id="1" name="Shape 323"/>
+        <p:cNvGrpSpPr/>
+        <p:nvPr/>
+      </p:nvGrpSpPr>
+      <p:grpSpPr>
+        <a:xfrm>
+          <a:off x="0" y="0"/>
+          <a:ext cx="0" cy="0"/>
+          <a:chOff x="0" y="0"/>
+          <a:chExt cx="0" cy="0"/>
+        </a:xfrm>
+      </p:grpSpPr>
+      <p:sp>
+        <p:nvSpPr>
+          <p:cNvPr id="324" name="Google Shape;324;p34"/>
+          <p:cNvSpPr txBox="1">
+            <a:spLocks noGrp="1"/>
+          </p:cNvSpPr>
+          <p:nvPr>
+            <p:ph type="title"/>
+          </p:nvPr>
+        </p:nvSpPr>
+        <p:spPr>
+          <a:xfrm>
             <a:off x="764875" y="551550"/>
             <a:ext cx="5748600" cy="699300"/>
           </a:xfrm>
@@ -18788,7 +19386,7 @@
 </p:sld>
 </file>
 
-<file path=ppt/slides/slide23.xml><?xml version="1.0" encoding="utf-8"?>
+<file path=ppt/slides/slide25.xml><?xml version="1.0" encoding="utf-8"?>
 <p:sld xmlns:a="http://schemas.openxmlformats.org/drawingml/2006/main" xmlns:r="http://schemas.openxmlformats.org/officeDocument/2006/relationships" xmlns:p="http://schemas.openxmlformats.org/presentationml/2006/main">
   <p:cSld>
     <p:spTree>
@@ -18924,7 +19522,7 @@
 </p:sld>
 </file>
 
-<file path=ppt/slides/slide24.xml><?xml version="1.0" encoding="utf-8"?>
+<file path=ppt/slides/slide26.xml><?xml version="1.0" encoding="utf-8"?>
 <p:sld xmlns:a="http://schemas.openxmlformats.org/drawingml/2006/main" xmlns:r="http://schemas.openxmlformats.org/officeDocument/2006/relationships" xmlns:p="http://schemas.openxmlformats.org/presentationml/2006/main">
   <p:cSld>
     <p:spTree>
@@ -19076,7 +19674,7 @@
 </p:sld>
 </file>
 
-<file path=ppt/slides/slide25.xml><?xml version="1.0" encoding="utf-8"?>
+<file path=ppt/slides/slide27.xml><?xml version="1.0" encoding="utf-8"?>
 <p:sld xmlns:a="http://schemas.openxmlformats.org/drawingml/2006/main" xmlns:r="http://schemas.openxmlformats.org/officeDocument/2006/relationships" xmlns:p="http://schemas.openxmlformats.org/presentationml/2006/main">
   <p:cSld>
     <p:spTree>
@@ -19244,7 +19842,7 @@
 </p:sld>
 </file>
 
-<file path=ppt/slides/slide26.xml><?xml version="1.0" encoding="utf-8"?>
+<file path=ppt/slides/slide28.xml><?xml version="1.0" encoding="utf-8"?>
 <p:sld xmlns:a="http://schemas.openxmlformats.org/drawingml/2006/main" xmlns:r="http://schemas.openxmlformats.org/officeDocument/2006/relationships" xmlns:p="http://schemas.openxmlformats.org/presentationml/2006/main">
   <p:cSld>
     <p:spTree>
@@ -19355,7 +19953,7 @@
 </p:sld>
 </file>
 
-<file path=ppt/slides/slide27.xml><?xml version="1.0" encoding="utf-8"?>
+<file path=ppt/slides/slide29.xml><?xml version="1.0" encoding="utf-8"?>
 <p:sld xmlns:a="http://schemas.openxmlformats.org/drawingml/2006/main" xmlns:r="http://schemas.openxmlformats.org/officeDocument/2006/relationships" xmlns:p="http://schemas.openxmlformats.org/presentationml/2006/main">
   <p:cSld>
     <p:spTree>
@@ -19527,309 +20125,6 @@
               <a:t>Board</a:t>
             </a:r>
             <a:endParaRPr/>
-          </a:p>
-        </p:txBody>
-      </p:sp>
-    </p:spTree>
-  </p:cSld>
-  <p:clrMapOvr>
-    <a:masterClrMapping/>
-  </p:clrMapOvr>
-</p:sld>
-</file>
-
-<file path=ppt/slides/slide28.xml><?xml version="1.0" encoding="utf-8"?>
-<p:sld xmlns:a="http://schemas.openxmlformats.org/drawingml/2006/main" xmlns:r="http://schemas.openxmlformats.org/officeDocument/2006/relationships" xmlns:p="http://schemas.openxmlformats.org/presentationml/2006/main">
-  <p:cSld>
-    <p:spTree>
-      <p:nvGrpSpPr>
-        <p:cNvPr id="1" name="Shape 364"/>
-        <p:cNvGrpSpPr/>
-        <p:nvPr/>
-      </p:nvGrpSpPr>
-      <p:grpSpPr>
-        <a:xfrm>
-          <a:off x="0" y="0"/>
-          <a:ext cx="0" cy="0"/>
-          <a:chOff x="0" y="0"/>
-          <a:chExt cx="0" cy="0"/>
-        </a:xfrm>
-      </p:grpSpPr>
-      <p:sp>
-        <p:nvSpPr>
-          <p:cNvPr id="365" name="Google Shape;365;p40"/>
-          <p:cNvSpPr txBox="1">
-            <a:spLocks noGrp="1"/>
-          </p:cNvSpPr>
-          <p:nvPr>
-            <p:ph type="title"/>
-          </p:nvPr>
-        </p:nvSpPr>
-        <p:spPr>
-          <a:xfrm>
-            <a:off x="727650" y="695175"/>
-            <a:ext cx="7688700" cy="535200"/>
-          </a:xfrm>
-          <a:prstGeom prst="rect">
-            <a:avLst/>
-          </a:prstGeom>
-        </p:spPr>
-        <p:txBody>
-          <a:bodyPr spcFirstLastPara="1" wrap="square" lIns="91425" tIns="91425" rIns="91425" bIns="91425" anchor="t" anchorCtr="0">
-            <a:normAutofit fontScale="90000"/>
-          </a:bodyPr>
-          <a:lstStyle/>
-          <a:p>
-            <a:pPr marL="0" lvl="0" indent="0" algn="l" rtl="0">
-              <a:spcBef>
-                <a:spcPts val="0"/>
-              </a:spcBef>
-              <a:spcAft>
-                <a:spcPts val="0"/>
-              </a:spcAft>
-              <a:buNone/>
-            </a:pPr>
-            <a:r>
-              <a:rPr lang="en" b="0">
-                <a:latin typeface="Raleway ExtraBold"/>
-                <a:ea typeface="Raleway ExtraBold"/>
-                <a:cs typeface="Raleway ExtraBold"/>
-                <a:sym typeface="Raleway ExtraBold"/>
-              </a:rPr>
-              <a:t>What went well</a:t>
-            </a:r>
-            <a:endParaRPr b="0">
-              <a:latin typeface="Raleway ExtraBold"/>
-              <a:ea typeface="Raleway ExtraBold"/>
-              <a:cs typeface="Raleway ExtraBold"/>
-              <a:sym typeface="Raleway ExtraBold"/>
-            </a:endParaRPr>
-          </a:p>
-        </p:txBody>
-      </p:sp>
-      <p:sp>
-        <p:nvSpPr>
-          <p:cNvPr id="366" name="Google Shape;366;p40"/>
-          <p:cNvSpPr txBox="1">
-            <a:spLocks noGrp="1"/>
-          </p:cNvSpPr>
-          <p:nvPr>
-            <p:ph type="body" idx="1"/>
-          </p:nvPr>
-        </p:nvSpPr>
-        <p:spPr>
-          <a:xfrm>
-            <a:off x="729450" y="2078875"/>
-            <a:ext cx="7688700" cy="2261100"/>
-          </a:xfrm>
-          <a:prstGeom prst="rect">
-            <a:avLst/>
-          </a:prstGeom>
-        </p:spPr>
-        <p:txBody>
-          <a:bodyPr spcFirstLastPara="1" wrap="square" lIns="91425" tIns="91425" rIns="91425" bIns="91425" anchor="t" anchorCtr="0">
-            <a:normAutofit/>
-          </a:bodyPr>
-          <a:lstStyle/>
-          <a:p>
-            <a:pPr marL="457200" lvl="0" indent="-342900" algn="l" rtl="0">
-              <a:spcBef>
-                <a:spcPts val="0"/>
-              </a:spcBef>
-              <a:spcAft>
-                <a:spcPts val="0"/>
-              </a:spcAft>
-              <a:buSzPts val="1800"/>
-              <a:buChar char="●"/>
-            </a:pPr>
-            <a:r>
-              <a:rPr lang="en" sz="1800"/>
-              <a:t>Communications between the team and setting the right expectation</a:t>
-            </a:r>
-            <a:endParaRPr sz="1800"/>
-          </a:p>
-          <a:p>
-            <a:pPr marL="457200" lvl="0" indent="-342900" algn="l" rtl="0">
-              <a:spcBef>
-                <a:spcPts val="0"/>
-              </a:spcBef>
-              <a:spcAft>
-                <a:spcPts val="0"/>
-              </a:spcAft>
-              <a:buSzPts val="1800"/>
-              <a:buChar char="●"/>
-            </a:pPr>
-            <a:r>
-              <a:rPr lang="en" sz="1800"/>
-              <a:t>Kept proper track of tasks for each team member</a:t>
-            </a:r>
-            <a:endParaRPr sz="1800"/>
-          </a:p>
-          <a:p>
-            <a:pPr marL="457200" lvl="0" indent="-342900" algn="l" rtl="0">
-              <a:spcBef>
-                <a:spcPts val="0"/>
-              </a:spcBef>
-              <a:spcAft>
-                <a:spcPts val="0"/>
-              </a:spcAft>
-              <a:buSzPts val="1800"/>
-              <a:buChar char="●"/>
-            </a:pPr>
-            <a:r>
-              <a:rPr lang="en" sz="1800"/>
-              <a:t>Quality of work good and organized</a:t>
-            </a:r>
-            <a:endParaRPr sz="1800"/>
-          </a:p>
-        </p:txBody>
-      </p:sp>
-    </p:spTree>
-  </p:cSld>
-  <p:clrMapOvr>
-    <a:masterClrMapping/>
-  </p:clrMapOvr>
-</p:sld>
-</file>
-
-<file path=ppt/slides/slide29.xml><?xml version="1.0" encoding="utf-8"?>
-<p:sld xmlns:a="http://schemas.openxmlformats.org/drawingml/2006/main" xmlns:r="http://schemas.openxmlformats.org/officeDocument/2006/relationships" xmlns:p="http://schemas.openxmlformats.org/presentationml/2006/main">
-  <p:cSld>
-    <p:spTree>
-      <p:nvGrpSpPr>
-        <p:cNvPr id="1" name="Shape 370"/>
-        <p:cNvGrpSpPr/>
-        <p:nvPr/>
-      </p:nvGrpSpPr>
-      <p:grpSpPr>
-        <a:xfrm>
-          <a:off x="0" y="0"/>
-          <a:ext cx="0" cy="0"/>
-          <a:chOff x="0" y="0"/>
-          <a:chExt cx="0" cy="0"/>
-        </a:xfrm>
-      </p:grpSpPr>
-      <p:sp>
-        <p:nvSpPr>
-          <p:cNvPr id="371" name="Google Shape;371;p41"/>
-          <p:cNvSpPr txBox="1">
-            <a:spLocks noGrp="1"/>
-          </p:cNvSpPr>
-          <p:nvPr>
-            <p:ph type="title"/>
-          </p:nvPr>
-        </p:nvSpPr>
-        <p:spPr>
-          <a:xfrm>
-            <a:off x="727650" y="663425"/>
-            <a:ext cx="7688700" cy="535200"/>
-          </a:xfrm>
-          <a:prstGeom prst="rect">
-            <a:avLst/>
-          </a:prstGeom>
-        </p:spPr>
-        <p:txBody>
-          <a:bodyPr spcFirstLastPara="1" wrap="square" lIns="91425" tIns="91425" rIns="91425" bIns="91425" anchor="t" anchorCtr="0">
-            <a:normAutofit fontScale="90000"/>
-          </a:bodyPr>
-          <a:lstStyle/>
-          <a:p>
-            <a:pPr marL="0" lvl="0" indent="0" algn="l" rtl="0">
-              <a:spcBef>
-                <a:spcPts val="0"/>
-              </a:spcBef>
-              <a:spcAft>
-                <a:spcPts val="0"/>
-              </a:spcAft>
-              <a:buNone/>
-            </a:pPr>
-            <a:r>
-              <a:rPr lang="en" b="0">
-                <a:latin typeface="Raleway ExtraBold"/>
-                <a:ea typeface="Raleway ExtraBold"/>
-                <a:cs typeface="Raleway ExtraBold"/>
-                <a:sym typeface="Raleway ExtraBold"/>
-              </a:rPr>
-              <a:t>What needs improvement</a:t>
-            </a:r>
-            <a:endParaRPr b="0">
-              <a:latin typeface="Raleway ExtraBold"/>
-              <a:ea typeface="Raleway ExtraBold"/>
-              <a:cs typeface="Raleway ExtraBold"/>
-              <a:sym typeface="Raleway ExtraBold"/>
-            </a:endParaRPr>
-          </a:p>
-        </p:txBody>
-      </p:sp>
-      <p:sp>
-        <p:nvSpPr>
-          <p:cNvPr id="372" name="Google Shape;372;p41"/>
-          <p:cNvSpPr txBox="1">
-            <a:spLocks noGrp="1"/>
-          </p:cNvSpPr>
-          <p:nvPr>
-            <p:ph type="body" idx="1"/>
-          </p:nvPr>
-        </p:nvSpPr>
-        <p:spPr>
-          <a:xfrm>
-            <a:off x="729450" y="2078875"/>
-            <a:ext cx="7688700" cy="2261100"/>
-          </a:xfrm>
-          <a:prstGeom prst="rect">
-            <a:avLst/>
-          </a:prstGeom>
-        </p:spPr>
-        <p:txBody>
-          <a:bodyPr spcFirstLastPara="1" wrap="square" lIns="91425" tIns="91425" rIns="91425" bIns="91425" anchor="t" anchorCtr="0">
-            <a:normAutofit/>
-          </a:bodyPr>
-          <a:lstStyle/>
-          <a:p>
-            <a:pPr marL="457200" lvl="0" indent="-342900" algn="l" rtl="0">
-              <a:spcBef>
-                <a:spcPts val="0"/>
-              </a:spcBef>
-              <a:spcAft>
-                <a:spcPts val="0"/>
-              </a:spcAft>
-              <a:buSzPts val="1800"/>
-              <a:buChar char="●"/>
-            </a:pPr>
-            <a:r>
-              <a:rPr lang="en" sz="1800"/>
-              <a:t>Better meeting timings </a:t>
-            </a:r>
-            <a:endParaRPr sz="1800"/>
-          </a:p>
-          <a:p>
-            <a:pPr marL="457200" lvl="0" indent="-342900" algn="l" rtl="0">
-              <a:spcBef>
-                <a:spcPts val="0"/>
-              </a:spcBef>
-              <a:spcAft>
-                <a:spcPts val="0"/>
-              </a:spcAft>
-              <a:buSzPts val="1800"/>
-              <a:buChar char="●"/>
-            </a:pPr>
-            <a:r>
-              <a:rPr lang="en" sz="1800"/>
-              <a:t>Involving in each other task so that knowledge is enhanced collectively</a:t>
-            </a:r>
-            <a:endParaRPr sz="1800"/>
-          </a:p>
-          <a:p>
-            <a:pPr marL="0" lvl="0" indent="0" algn="l" rtl="0">
-              <a:spcBef>
-                <a:spcPts val="1200"/>
-              </a:spcBef>
-              <a:spcAft>
-                <a:spcPts val="1200"/>
-              </a:spcAft>
-              <a:buNone/>
-            </a:pPr>
-            <a:endParaRPr sz="1800"/>
           </a:p>
         </p:txBody>
       </p:sp>
@@ -20084,6 +20379,309 @@
   <p:cSld>
     <p:spTree>
       <p:nvGrpSpPr>
+        <p:cNvPr id="1" name="Shape 364"/>
+        <p:cNvGrpSpPr/>
+        <p:nvPr/>
+      </p:nvGrpSpPr>
+      <p:grpSpPr>
+        <a:xfrm>
+          <a:off x="0" y="0"/>
+          <a:ext cx="0" cy="0"/>
+          <a:chOff x="0" y="0"/>
+          <a:chExt cx="0" cy="0"/>
+        </a:xfrm>
+      </p:grpSpPr>
+      <p:sp>
+        <p:nvSpPr>
+          <p:cNvPr id="365" name="Google Shape;365;p40"/>
+          <p:cNvSpPr txBox="1">
+            <a:spLocks noGrp="1"/>
+          </p:cNvSpPr>
+          <p:nvPr>
+            <p:ph type="title"/>
+          </p:nvPr>
+        </p:nvSpPr>
+        <p:spPr>
+          <a:xfrm>
+            <a:off x="727650" y="695175"/>
+            <a:ext cx="7688700" cy="535200"/>
+          </a:xfrm>
+          <a:prstGeom prst="rect">
+            <a:avLst/>
+          </a:prstGeom>
+        </p:spPr>
+        <p:txBody>
+          <a:bodyPr spcFirstLastPara="1" wrap="square" lIns="91425" tIns="91425" rIns="91425" bIns="91425" anchor="t" anchorCtr="0">
+            <a:normAutofit fontScale="90000"/>
+          </a:bodyPr>
+          <a:lstStyle/>
+          <a:p>
+            <a:pPr marL="0" lvl="0" indent="0" algn="l" rtl="0">
+              <a:spcBef>
+                <a:spcPts val="0"/>
+              </a:spcBef>
+              <a:spcAft>
+                <a:spcPts val="0"/>
+              </a:spcAft>
+              <a:buNone/>
+            </a:pPr>
+            <a:r>
+              <a:rPr lang="en" b="0">
+                <a:latin typeface="Raleway ExtraBold"/>
+                <a:ea typeface="Raleway ExtraBold"/>
+                <a:cs typeface="Raleway ExtraBold"/>
+                <a:sym typeface="Raleway ExtraBold"/>
+              </a:rPr>
+              <a:t>What went well</a:t>
+            </a:r>
+            <a:endParaRPr b="0">
+              <a:latin typeface="Raleway ExtraBold"/>
+              <a:ea typeface="Raleway ExtraBold"/>
+              <a:cs typeface="Raleway ExtraBold"/>
+              <a:sym typeface="Raleway ExtraBold"/>
+            </a:endParaRPr>
+          </a:p>
+        </p:txBody>
+      </p:sp>
+      <p:sp>
+        <p:nvSpPr>
+          <p:cNvPr id="366" name="Google Shape;366;p40"/>
+          <p:cNvSpPr txBox="1">
+            <a:spLocks noGrp="1"/>
+          </p:cNvSpPr>
+          <p:nvPr>
+            <p:ph type="body" idx="1"/>
+          </p:nvPr>
+        </p:nvSpPr>
+        <p:spPr>
+          <a:xfrm>
+            <a:off x="729450" y="2078875"/>
+            <a:ext cx="7688700" cy="2261100"/>
+          </a:xfrm>
+          <a:prstGeom prst="rect">
+            <a:avLst/>
+          </a:prstGeom>
+        </p:spPr>
+        <p:txBody>
+          <a:bodyPr spcFirstLastPara="1" wrap="square" lIns="91425" tIns="91425" rIns="91425" bIns="91425" anchor="t" anchorCtr="0">
+            <a:normAutofit/>
+          </a:bodyPr>
+          <a:lstStyle/>
+          <a:p>
+            <a:pPr marL="457200" lvl="0" indent="-342900" algn="l" rtl="0">
+              <a:spcBef>
+                <a:spcPts val="0"/>
+              </a:spcBef>
+              <a:spcAft>
+                <a:spcPts val="0"/>
+              </a:spcAft>
+              <a:buSzPts val="1800"/>
+              <a:buChar char="●"/>
+            </a:pPr>
+            <a:r>
+              <a:rPr lang="en" sz="1800"/>
+              <a:t>Communications between the team and setting the right expectation</a:t>
+            </a:r>
+            <a:endParaRPr sz="1800"/>
+          </a:p>
+          <a:p>
+            <a:pPr marL="457200" lvl="0" indent="-342900" algn="l" rtl="0">
+              <a:spcBef>
+                <a:spcPts val="0"/>
+              </a:spcBef>
+              <a:spcAft>
+                <a:spcPts val="0"/>
+              </a:spcAft>
+              <a:buSzPts val="1800"/>
+              <a:buChar char="●"/>
+            </a:pPr>
+            <a:r>
+              <a:rPr lang="en" sz="1800"/>
+              <a:t>Kept proper track of tasks for each team member</a:t>
+            </a:r>
+            <a:endParaRPr sz="1800"/>
+          </a:p>
+          <a:p>
+            <a:pPr marL="457200" lvl="0" indent="-342900" algn="l" rtl="0">
+              <a:spcBef>
+                <a:spcPts val="0"/>
+              </a:spcBef>
+              <a:spcAft>
+                <a:spcPts val="0"/>
+              </a:spcAft>
+              <a:buSzPts val="1800"/>
+              <a:buChar char="●"/>
+            </a:pPr>
+            <a:r>
+              <a:rPr lang="en" sz="1800"/>
+              <a:t>Quality of work good and organized</a:t>
+            </a:r>
+            <a:endParaRPr sz="1800"/>
+          </a:p>
+        </p:txBody>
+      </p:sp>
+    </p:spTree>
+  </p:cSld>
+  <p:clrMapOvr>
+    <a:masterClrMapping/>
+  </p:clrMapOvr>
+</p:sld>
+</file>
+
+<file path=ppt/slides/slide31.xml><?xml version="1.0" encoding="utf-8"?>
+<p:sld xmlns:a="http://schemas.openxmlformats.org/drawingml/2006/main" xmlns:r="http://schemas.openxmlformats.org/officeDocument/2006/relationships" xmlns:p="http://schemas.openxmlformats.org/presentationml/2006/main">
+  <p:cSld>
+    <p:spTree>
+      <p:nvGrpSpPr>
+        <p:cNvPr id="1" name="Shape 370"/>
+        <p:cNvGrpSpPr/>
+        <p:nvPr/>
+      </p:nvGrpSpPr>
+      <p:grpSpPr>
+        <a:xfrm>
+          <a:off x="0" y="0"/>
+          <a:ext cx="0" cy="0"/>
+          <a:chOff x="0" y="0"/>
+          <a:chExt cx="0" cy="0"/>
+        </a:xfrm>
+      </p:grpSpPr>
+      <p:sp>
+        <p:nvSpPr>
+          <p:cNvPr id="371" name="Google Shape;371;p41"/>
+          <p:cNvSpPr txBox="1">
+            <a:spLocks noGrp="1"/>
+          </p:cNvSpPr>
+          <p:nvPr>
+            <p:ph type="title"/>
+          </p:nvPr>
+        </p:nvSpPr>
+        <p:spPr>
+          <a:xfrm>
+            <a:off x="727650" y="663425"/>
+            <a:ext cx="7688700" cy="535200"/>
+          </a:xfrm>
+          <a:prstGeom prst="rect">
+            <a:avLst/>
+          </a:prstGeom>
+        </p:spPr>
+        <p:txBody>
+          <a:bodyPr spcFirstLastPara="1" wrap="square" lIns="91425" tIns="91425" rIns="91425" bIns="91425" anchor="t" anchorCtr="0">
+            <a:normAutofit fontScale="90000"/>
+          </a:bodyPr>
+          <a:lstStyle/>
+          <a:p>
+            <a:pPr marL="0" lvl="0" indent="0" algn="l" rtl="0">
+              <a:spcBef>
+                <a:spcPts val="0"/>
+              </a:spcBef>
+              <a:spcAft>
+                <a:spcPts val="0"/>
+              </a:spcAft>
+              <a:buNone/>
+            </a:pPr>
+            <a:r>
+              <a:rPr lang="en" b="0">
+                <a:latin typeface="Raleway ExtraBold"/>
+                <a:ea typeface="Raleway ExtraBold"/>
+                <a:cs typeface="Raleway ExtraBold"/>
+                <a:sym typeface="Raleway ExtraBold"/>
+              </a:rPr>
+              <a:t>What needs improvement</a:t>
+            </a:r>
+            <a:endParaRPr b="0">
+              <a:latin typeface="Raleway ExtraBold"/>
+              <a:ea typeface="Raleway ExtraBold"/>
+              <a:cs typeface="Raleway ExtraBold"/>
+              <a:sym typeface="Raleway ExtraBold"/>
+            </a:endParaRPr>
+          </a:p>
+        </p:txBody>
+      </p:sp>
+      <p:sp>
+        <p:nvSpPr>
+          <p:cNvPr id="372" name="Google Shape;372;p41"/>
+          <p:cNvSpPr txBox="1">
+            <a:spLocks noGrp="1"/>
+          </p:cNvSpPr>
+          <p:nvPr>
+            <p:ph type="body" idx="1"/>
+          </p:nvPr>
+        </p:nvSpPr>
+        <p:spPr>
+          <a:xfrm>
+            <a:off x="729450" y="2078875"/>
+            <a:ext cx="7688700" cy="2261100"/>
+          </a:xfrm>
+          <a:prstGeom prst="rect">
+            <a:avLst/>
+          </a:prstGeom>
+        </p:spPr>
+        <p:txBody>
+          <a:bodyPr spcFirstLastPara="1" wrap="square" lIns="91425" tIns="91425" rIns="91425" bIns="91425" anchor="t" anchorCtr="0">
+            <a:normAutofit/>
+          </a:bodyPr>
+          <a:lstStyle/>
+          <a:p>
+            <a:pPr marL="457200" lvl="0" indent="-342900" algn="l" rtl="0">
+              <a:spcBef>
+                <a:spcPts val="0"/>
+              </a:spcBef>
+              <a:spcAft>
+                <a:spcPts val="0"/>
+              </a:spcAft>
+              <a:buSzPts val="1800"/>
+              <a:buChar char="●"/>
+            </a:pPr>
+            <a:r>
+              <a:rPr lang="en" sz="1800"/>
+              <a:t>Better meeting timings </a:t>
+            </a:r>
+            <a:endParaRPr sz="1800"/>
+          </a:p>
+          <a:p>
+            <a:pPr marL="457200" lvl="0" indent="-342900" algn="l" rtl="0">
+              <a:spcBef>
+                <a:spcPts val="0"/>
+              </a:spcBef>
+              <a:spcAft>
+                <a:spcPts val="0"/>
+              </a:spcAft>
+              <a:buSzPts val="1800"/>
+              <a:buChar char="●"/>
+            </a:pPr>
+            <a:r>
+              <a:rPr lang="en" sz="1800"/>
+              <a:t>Involving in each other task so that knowledge is enhanced collectively</a:t>
+            </a:r>
+            <a:endParaRPr sz="1800"/>
+          </a:p>
+          <a:p>
+            <a:pPr marL="0" lvl="0" indent="0" algn="l" rtl="0">
+              <a:spcBef>
+                <a:spcPts val="1200"/>
+              </a:spcBef>
+              <a:spcAft>
+                <a:spcPts val="1200"/>
+              </a:spcAft>
+              <a:buNone/>
+            </a:pPr>
+            <a:endParaRPr sz="1800"/>
+          </a:p>
+        </p:txBody>
+      </p:sp>
+    </p:spTree>
+  </p:cSld>
+  <p:clrMapOvr>
+    <a:masterClrMapping/>
+  </p:clrMapOvr>
+</p:sld>
+</file>
+
+<file path=ppt/slides/slide32.xml><?xml version="1.0" encoding="utf-8"?>
+<p:sld xmlns:a="http://schemas.openxmlformats.org/drawingml/2006/main" xmlns:r="http://schemas.openxmlformats.org/officeDocument/2006/relationships" xmlns:p="http://schemas.openxmlformats.org/presentationml/2006/main">
+  <p:cSld>
+    <p:spTree>
+      <p:nvGrpSpPr>
         <p:cNvPr id="1" name="Shape 376"/>
         <p:cNvGrpSpPr/>
         <p:nvPr/>
@@ -20233,7 +20831,7 @@
 </p:sld>
 </file>
 
-<file path=ppt/slides/slide31.xml><?xml version="1.0" encoding="utf-8"?>
+<file path=ppt/slides/slide33.xml><?xml version="1.0" encoding="utf-8"?>
 <p:sld xmlns:a="http://schemas.openxmlformats.org/drawingml/2006/main" xmlns:r="http://schemas.openxmlformats.org/officeDocument/2006/relationships" xmlns:p="http://schemas.openxmlformats.org/presentationml/2006/main">
   <p:cSld>
     <p:spTree>
